--- a/presentation.pptx
+++ b/presentation.pptx
@@ -110,6 +110,11 @@
       </a:defRPr>
     </a:lvl9pPr>
   </p:defaultTextStyle>
+  <p:extLst>
+    <p:ext uri="{EFAFB233-063F-42B5-8137-9DF3F51BA10A}">
+      <p15:sldGuideLst xmlns:p15="http://schemas.microsoft.com/office/powerpoint/2012/main"/>
+    </p:ext>
+  </p:extLst>
 </p:presentation>
 </file>
 
@@ -3767,7 +3772,11 @@
           <a:bodyPr/>
           <a:lstStyle/>
           <a:p>
-            <a:endParaRPr lang="en-IN"/>
+            <a:r>
+              <a:rPr lang="en-IN" dirty="0" smtClean="0"/>
+              <a:t>D2rq commands for the mapping</a:t>
+            </a:r>
+            <a:endParaRPr lang="en-IN" dirty="0"/>
           </a:p>
         </p:txBody>
       </p:sp>
@@ -3783,10 +3792,139 @@
         </p:nvSpPr>
         <p:spPr/>
         <p:txBody>
-          <a:bodyPr/>
-          <a:lstStyle/>
-          <a:p>
-            <a:endParaRPr lang="en-IN"/>
+          <a:bodyPr>
+            <a:normAutofit/>
+          </a:bodyPr>
+          <a:lstStyle/>
+          <a:p>
+            <a:pPr marL="0" indent="0">
+              <a:buNone/>
+            </a:pPr>
+            <a:r>
+              <a:rPr lang="en-IN" dirty="0"/>
+              <a:t>Generating a default mapping file ./generate-mapping -u root -o </a:t>
+            </a:r>
+            <a:r>
+              <a:rPr lang="en-IN" dirty="0" err="1"/>
+              <a:t>mydb.ttl</a:t>
+            </a:r>
+            <a:r>
+              <a:rPr lang="en-IN" dirty="0"/>
+              <a:t> </a:t>
+            </a:r>
+            <a:r>
+              <a:rPr lang="en-IN" dirty="0" err="1"/>
+              <a:t>jdbc:mysql</a:t>
+            </a:r>
+            <a:r>
+              <a:rPr lang="en-IN" dirty="0"/>
+              <a:t>:///</a:t>
+            </a:r>
+            <a:r>
+              <a:rPr lang="en-IN" dirty="0" err="1"/>
+              <a:t>mydb</a:t>
+            </a:r>
+            <a:r>
+              <a:rPr lang="en-IN" dirty="0"/>
+              <a:t> </a:t>
+            </a:r>
+            <a:r>
+              <a:rPr lang="en-IN" dirty="0"/>
+              <a:t/>
+            </a:r>
+            <a:br>
+              <a:rPr lang="en-IN" dirty="0"/>
+            </a:br>
+            <a:endParaRPr lang="en-IN" dirty="0" smtClean="0"/>
+          </a:p>
+          <a:p>
+            <a:pPr marL="0" indent="0">
+              <a:buNone/>
+            </a:pPr>
+            <a:r>
+              <a:rPr lang="en-US" dirty="0"/>
+              <a:t>This generates a mapping file </a:t>
+            </a:r>
+            <a:r>
+              <a:rPr lang="en-US" dirty="0" err="1"/>
+              <a:t>mydb.ttl</a:t>
+            </a:r>
+            <a:r>
+              <a:rPr lang="en-US" dirty="0"/>
+              <a:t> for your database. </a:t>
+            </a:r>
+            <a:r>
+              <a:rPr lang="en-US" dirty="0"/>
+              <a:t/>
+            </a:r>
+            <a:br>
+              <a:rPr lang="en-US" dirty="0"/>
+            </a:br>
+            <a:endParaRPr lang="en-US" dirty="0" smtClean="0"/>
+          </a:p>
+          <a:p>
+            <a:pPr marL="0" indent="0">
+              <a:buNone/>
+            </a:pPr>
+            <a:r>
+              <a:rPr lang="en-IN" dirty="0"/>
+              <a:t>Dumping the database ./dump-</a:t>
+            </a:r>
+            <a:r>
+              <a:rPr lang="en-IN" dirty="0" err="1"/>
+              <a:t>rdf</a:t>
+            </a:r>
+            <a:r>
+              <a:rPr lang="en-IN" dirty="0"/>
+              <a:t> -m </a:t>
+            </a:r>
+            <a:r>
+              <a:rPr lang="en-IN" dirty="0" err="1"/>
+              <a:t>mydb.ttl</a:t>
+            </a:r>
+            <a:r>
+              <a:rPr lang="en-IN" dirty="0"/>
+              <a:t> -o </a:t>
+            </a:r>
+            <a:r>
+              <a:rPr lang="en-IN" dirty="0" err="1"/>
+              <a:t>dump.nt</a:t>
+            </a:r>
+            <a:r>
+              <a:rPr lang="en-IN" dirty="0"/>
+              <a:t> </a:t>
+            </a:r>
+            <a:r>
+              <a:rPr lang="en-IN" dirty="0"/>
+              <a:t/>
+            </a:r>
+            <a:br>
+              <a:rPr lang="en-IN" dirty="0"/>
+            </a:br>
+            <a:endParaRPr lang="en-IN" dirty="0" smtClean="0"/>
+          </a:p>
+          <a:p>
+            <a:pPr marL="0" indent="0">
+              <a:buNone/>
+            </a:pPr>
+            <a:r>
+              <a:rPr lang="en-US" dirty="0"/>
+              <a:t>This creates </a:t>
+            </a:r>
+            <a:r>
+              <a:rPr lang="en-US" dirty="0" err="1"/>
+              <a:t>dump.nt</a:t>
+            </a:r>
+            <a:r>
+              <a:rPr lang="en-US" dirty="0"/>
+              <a:t>, a dump containing the mapped RDF in N-Triples format.</a:t>
+            </a:r>
+          </a:p>
+          <a:p>
+            <a:pPr marL="0" indent="0">
+              <a:buNone/>
+            </a:pPr>
+            <a:endParaRPr lang="en-IN" dirty="0"/>
           </a:p>
         </p:txBody>
       </p:sp>

--- a/presentation.pptx
+++ b/presentation.pptx
@@ -3793,7 +3793,7 @@
         <p:spPr/>
         <p:txBody>
           <a:bodyPr>
-            <a:normAutofit/>
+            <a:normAutofit fontScale="92500" lnSpcReduction="10000"/>
           </a:bodyPr>
           <a:lstStyle/>
           <a:p>
@@ -3827,10 +3827,6 @@
             <a:r>
               <a:rPr lang="en-IN" dirty="0"/>
               <a:t> </a:t>
-            </a:r>
-            <a:r>
-              <a:rPr lang="en-IN" dirty="0"/>
-              <a:t/>
             </a:r>
             <a:br>
               <a:rPr lang="en-IN" dirty="0"/>
@@ -3853,10 +3849,6 @@
               <a:rPr lang="en-US" dirty="0"/>
               <a:t> for your database. </a:t>
             </a:r>
-            <a:r>
-              <a:rPr lang="en-US" dirty="0"/>
-              <a:t/>
-            </a:r>
             <a:br>
               <a:rPr lang="en-US" dirty="0"/>
             </a:br>
@@ -3894,10 +3886,6 @@
               <a:rPr lang="en-IN" dirty="0"/>
               <a:t> </a:t>
             </a:r>
-            <a:r>
-              <a:rPr lang="en-IN" dirty="0"/>
-              <a:t/>
-            </a:r>
             <a:br>
               <a:rPr lang="en-IN" dirty="0"/>
             </a:br>
@@ -3924,6 +3912,24 @@
             <a:pPr marL="0" indent="0">
               <a:buNone/>
             </a:pPr>
+            <a:endParaRPr lang="en-IN" dirty="0"/>
+          </a:p>
+          <a:p>
+            <a:pPr marL="0" indent="0">
+              <a:buNone/>
+            </a:pPr>
+            <a:r>
+              <a:rPr lang="en-US" dirty="0" smtClean="0"/>
+              <a:t>Mapping </a:t>
+            </a:r>
+            <a:r>
+              <a:rPr lang="en-US" smtClean="0"/>
+              <a:t>is important before we </a:t>
+            </a:r>
+            <a:r>
+              <a:rPr lang="en-US" dirty="0"/>
+              <a:t>run the server</a:t>
+            </a:r>
             <a:endParaRPr lang="en-IN" dirty="0"/>
           </a:p>
         </p:txBody>
